--- a/likai/final.pptx
+++ b/likai/final.pptx
@@ -4763,7 +4763,7 @@
         </p:nvSpPr>
         <p:spPr>
           <a:xfrm>
-            <a:off x="1315039" y="2235200"/>
+            <a:off x="1306246" y="714131"/>
             <a:ext cx="9561922" cy="2387600"/>
           </a:xfrm>
         </p:spPr>
@@ -4785,6 +4785,40 @@
               <a:t> Optimization of Dynamic Mobile Robot Path Planning based on Evolutionary Methods </a:t>
             </a:r>
             <a:endParaRPr lang="zh-CN" altLang="en-US" dirty="0"/>
+          </a:p>
+        </p:txBody>
+      </p:sp>
+      <p:sp>
+        <p:nvSpPr>
+          <p:cNvPr id="3" name="文本框 2"/>
+          <p:cNvSpPr txBox="1"/>
+          <p:nvPr/>
+        </p:nvSpPr>
+        <p:spPr>
+          <a:xfrm>
+            <a:off x="4912701" y="4062046"/>
+            <a:ext cx="2349012" cy="461665"/>
+          </a:xfrm>
+          <a:prstGeom prst="rect">
+            <a:avLst/>
+          </a:prstGeom>
+          <a:noFill/>
+        </p:spPr>
+        <p:txBody>
+          <a:bodyPr wrap="square" rtlCol="0">
+            <a:spAutoFit/>
+          </a:bodyPr>
+          <a:lstStyle/>
+          <a:p>
+            <a:r>
+              <a:rPr lang="zh-CN" altLang="en-US" sz="2400" dirty="0" smtClean="0"/>
+              <a:t>李凯 </a:t>
+            </a:r>
+            <a:r>
+              <a:rPr lang="en-US" altLang="zh-CN" sz="2400" dirty="0" smtClean="0"/>
+              <a:t>21821297</a:t>
+            </a:r>
+            <a:endParaRPr lang="zh-CN" altLang="en-US" sz="2400" dirty="0"/>
           </a:p>
         </p:txBody>
       </p:sp>
@@ -5850,8 +5884,8 @@
           </a:p>
         </p:txBody>
       </p:sp>
-      <mc:AlternateContent xmlns:mc="http://schemas.openxmlformats.org/markup-compatibility/2006">
-        <mc:Choice xmlns:a14="http://schemas.microsoft.com/office/drawing/2010/main" Requires="a14">
+      <mc:AlternateContent xmlns:mc="http://schemas.openxmlformats.org/markup-compatibility/2006" xmlns:a14="http://schemas.microsoft.com/office/drawing/2010/main">
+        <mc:Choice Requires="a14">
           <p:sp>
             <p:nvSpPr>
               <p:cNvPr id="4" name="文本框 3"/>
@@ -6002,12 +6036,11 @@
                   <a:rPr lang="zh-CN" altLang="en-US" dirty="0"/>
                   <a:t>可行的目标函数是通过路径规划中机器人位置（点）之间的距离之和，机器人在每个点上平滑移动的角度之和以及为了安全而避免到障碍物附近的附加项来计算的</a:t>
                 </a:r>
-                <a:endParaRPr lang="zh-CN" altLang="en-US" dirty="0"/>
               </a:p>
             </p:txBody>
           </p:sp>
         </mc:Choice>
-        <mc:Fallback>
+        <mc:Fallback xmlns="">
           <p:sp>
             <p:nvSpPr>
               <p:cNvPr id="4" name="文本框 3"/>
@@ -6189,8 +6222,8 @@
           </a:prstGeom>
         </p:spPr>
       </p:pic>
-      <mc:AlternateContent xmlns:mc="http://schemas.openxmlformats.org/markup-compatibility/2006">
-        <mc:Choice xmlns:a14="http://schemas.microsoft.com/office/drawing/2010/main" Requires="a14">
+      <mc:AlternateContent xmlns:mc="http://schemas.openxmlformats.org/markup-compatibility/2006" xmlns:a14="http://schemas.microsoft.com/office/drawing/2010/main">
+        <mc:Choice Requires="a14">
           <p:sp>
             <p:nvSpPr>
               <p:cNvPr id="4" name="文本框 3"/>
@@ -6250,12 +6283,11 @@
                   <a:rPr lang="zh-CN" altLang="en-US" dirty="0"/>
                   <a:t>不可行路径的目标函数。</a:t>
                 </a:r>
-                <a:endParaRPr lang="zh-CN" altLang="en-US" dirty="0"/>
               </a:p>
             </p:txBody>
           </p:sp>
         </mc:Choice>
-        <mc:Fallback>
+        <mc:Fallback xmlns="">
           <p:sp>
             <p:nvSpPr>
               <p:cNvPr id="4" name="文本框 3"/>
